--- a/デザイン.pptx
+++ b/デザイン.pptx
@@ -247,7 +247,7 @@
           <a:p>
             <a:fld id="{076CA13A-34D1-4289-A767-FBDA6F16180C}" type="datetimeFigureOut">
               <a:rPr kumimoji="1" lang="ja-JP" altLang="en-US" smtClean="0"/>
-              <a:t>2022/12/30</a:t>
+              <a:t>2023/1/4</a:t>
             </a:fld>
             <a:endParaRPr kumimoji="1" lang="ja-JP" altLang="en-US"/>
           </a:p>
@@ -449,7 +449,7 @@
           <a:p>
             <a:fld id="{076CA13A-34D1-4289-A767-FBDA6F16180C}" type="datetimeFigureOut">
               <a:rPr kumimoji="1" lang="ja-JP" altLang="en-US" smtClean="0"/>
-              <a:t>2022/12/30</a:t>
+              <a:t>2023/1/4</a:t>
             </a:fld>
             <a:endParaRPr kumimoji="1" lang="ja-JP" altLang="en-US"/>
           </a:p>
@@ -661,7 +661,7 @@
           <a:p>
             <a:fld id="{076CA13A-34D1-4289-A767-FBDA6F16180C}" type="datetimeFigureOut">
               <a:rPr kumimoji="1" lang="ja-JP" altLang="en-US" smtClean="0"/>
-              <a:t>2022/12/30</a:t>
+              <a:t>2023/1/4</a:t>
             </a:fld>
             <a:endParaRPr kumimoji="1" lang="ja-JP" altLang="en-US"/>
           </a:p>
@@ -863,7 +863,7 @@
           <a:p>
             <a:fld id="{076CA13A-34D1-4289-A767-FBDA6F16180C}" type="datetimeFigureOut">
               <a:rPr kumimoji="1" lang="ja-JP" altLang="en-US" smtClean="0"/>
-              <a:t>2022/12/30</a:t>
+              <a:t>2023/1/4</a:t>
             </a:fld>
             <a:endParaRPr kumimoji="1" lang="ja-JP" altLang="en-US"/>
           </a:p>
@@ -1107,7 +1107,7 @@
           <a:p>
             <a:fld id="{076CA13A-34D1-4289-A767-FBDA6F16180C}" type="datetimeFigureOut">
               <a:rPr kumimoji="1" lang="ja-JP" altLang="en-US" smtClean="0"/>
-              <a:t>2022/12/30</a:t>
+              <a:t>2023/1/4</a:t>
             </a:fld>
             <a:endParaRPr kumimoji="1" lang="ja-JP" altLang="en-US"/>
           </a:p>
@@ -1403,7 +1403,7 @@
           <a:p>
             <a:fld id="{076CA13A-34D1-4289-A767-FBDA6F16180C}" type="datetimeFigureOut">
               <a:rPr kumimoji="1" lang="ja-JP" altLang="en-US" smtClean="0"/>
-              <a:t>2022/12/30</a:t>
+              <a:t>2023/1/4</a:t>
             </a:fld>
             <a:endParaRPr kumimoji="1" lang="ja-JP" altLang="en-US"/>
           </a:p>
@@ -1834,7 +1834,7 @@
           <a:p>
             <a:fld id="{076CA13A-34D1-4289-A767-FBDA6F16180C}" type="datetimeFigureOut">
               <a:rPr kumimoji="1" lang="ja-JP" altLang="en-US" smtClean="0"/>
-              <a:t>2022/12/30</a:t>
+              <a:t>2023/1/4</a:t>
             </a:fld>
             <a:endParaRPr kumimoji="1" lang="ja-JP" altLang="en-US"/>
           </a:p>
@@ -1952,7 +1952,7 @@
           <a:p>
             <a:fld id="{076CA13A-34D1-4289-A767-FBDA6F16180C}" type="datetimeFigureOut">
               <a:rPr kumimoji="1" lang="ja-JP" altLang="en-US" smtClean="0"/>
-              <a:t>2022/12/30</a:t>
+              <a:t>2023/1/4</a:t>
             </a:fld>
             <a:endParaRPr kumimoji="1" lang="ja-JP" altLang="en-US"/>
           </a:p>
@@ -2047,7 +2047,7 @@
           <a:p>
             <a:fld id="{076CA13A-34D1-4289-A767-FBDA6F16180C}" type="datetimeFigureOut">
               <a:rPr kumimoji="1" lang="ja-JP" altLang="en-US" smtClean="0"/>
-              <a:t>2022/12/30</a:t>
+              <a:t>2023/1/4</a:t>
             </a:fld>
             <a:endParaRPr kumimoji="1" lang="ja-JP" altLang="en-US"/>
           </a:p>
@@ -2356,7 +2356,7 @@
           <a:p>
             <a:fld id="{076CA13A-34D1-4289-A767-FBDA6F16180C}" type="datetimeFigureOut">
               <a:rPr kumimoji="1" lang="ja-JP" altLang="en-US" smtClean="0"/>
-              <a:t>2022/12/30</a:t>
+              <a:t>2023/1/4</a:t>
             </a:fld>
             <a:endParaRPr kumimoji="1" lang="ja-JP" altLang="en-US"/>
           </a:p>
@@ -2613,7 +2613,7 @@
           <a:p>
             <a:fld id="{076CA13A-34D1-4289-A767-FBDA6F16180C}" type="datetimeFigureOut">
               <a:rPr kumimoji="1" lang="ja-JP" altLang="en-US" smtClean="0"/>
-              <a:t>2022/12/30</a:t>
+              <a:t>2023/1/4</a:t>
             </a:fld>
             <a:endParaRPr kumimoji="1" lang="ja-JP" altLang="en-US"/>
           </a:p>
@@ -2858,7 +2858,7 @@
           <a:p>
             <a:fld id="{076CA13A-34D1-4289-A767-FBDA6F16180C}" type="datetimeFigureOut">
               <a:rPr kumimoji="1" lang="ja-JP" altLang="en-US" smtClean="0"/>
-              <a:t>2022/12/30</a:t>
+              <a:t>2023/1/4</a:t>
             </a:fld>
             <a:endParaRPr kumimoji="1" lang="ja-JP" altLang="en-US"/>
           </a:p>
@@ -21559,6 +21559,180 @@
           </a:p>
         </p:txBody>
       </p:sp>
+      <p:pic>
+        <p:nvPicPr>
+          <p:cNvPr id="37" name="図 36" descr="図形, 四角形&#10;&#10;自動的に生成された説明">
+            <a:extLst>
+              <a:ext uri="{FF2B5EF4-FFF2-40B4-BE49-F238E27FC236}">
+                <a16:creationId xmlns:a16="http://schemas.microsoft.com/office/drawing/2014/main" id="{B00A4D12-D7C8-B98B-7E2E-FEFC73EFB1DB}"/>
+              </a:ext>
+            </a:extLst>
+          </p:cNvPr>
+          <p:cNvPicPr>
+            <a:picLocks noChangeAspect="1"/>
+          </p:cNvPicPr>
+          <p:nvPr/>
+        </p:nvPicPr>
+        <p:blipFill>
+          <a:blip r:embed="rId5">
+            <a:extLst>
+              <a:ext uri="{28A0092B-C50C-407E-A947-70E740481C1C}">
+                <a14:useLocalDpi xmlns:a14="http://schemas.microsoft.com/office/drawing/2010/main" val="0"/>
+              </a:ext>
+            </a:extLst>
+          </a:blip>
+          <a:stretch>
+            <a:fillRect/>
+          </a:stretch>
+        </p:blipFill>
+        <p:spPr>
+          <a:xfrm>
+            <a:off x="1058736" y="8333415"/>
+            <a:ext cx="807790" cy="807790"/>
+          </a:xfrm>
+          <a:prstGeom prst="rect">
+            <a:avLst/>
+          </a:prstGeom>
+        </p:spPr>
+      </p:pic>
+      <p:sp>
+        <p:nvSpPr>
+          <p:cNvPr id="38" name="正方形/長方形 37">
+            <a:extLst>
+              <a:ext uri="{FF2B5EF4-FFF2-40B4-BE49-F238E27FC236}">
+                <a16:creationId xmlns:a16="http://schemas.microsoft.com/office/drawing/2014/main" id="{92FAE448-5EB3-F0C0-07AD-F99906455325}"/>
+              </a:ext>
+            </a:extLst>
+          </p:cNvPr>
+          <p:cNvSpPr/>
+          <p:nvPr/>
+        </p:nvSpPr>
+        <p:spPr>
+          <a:xfrm>
+            <a:off x="1251468" y="8472954"/>
+            <a:ext cx="106680" cy="183851"/>
+          </a:xfrm>
+          <a:prstGeom prst="rect">
+            <a:avLst/>
+          </a:prstGeom>
+        </p:spPr>
+        <p:style>
+          <a:lnRef idx="2">
+            <a:schemeClr val="accent4">
+              <a:shade val="50000"/>
+            </a:schemeClr>
+          </a:lnRef>
+          <a:fillRef idx="1">
+            <a:schemeClr val="accent4"/>
+          </a:fillRef>
+          <a:effectRef idx="0">
+            <a:schemeClr val="accent4"/>
+          </a:effectRef>
+          <a:fontRef idx="minor">
+            <a:schemeClr val="lt1"/>
+          </a:fontRef>
+        </p:style>
+        <p:txBody>
+          <a:bodyPr rtlCol="0" anchor="ctr"/>
+          <a:lstStyle/>
+          <a:p>
+            <a:pPr algn="ctr"/>
+            <a:endParaRPr kumimoji="1" lang="ja-JP" altLang="en-US"/>
+          </a:p>
+        </p:txBody>
+      </p:sp>
+      <p:sp>
+        <p:nvSpPr>
+          <p:cNvPr id="39" name="正方形/長方形 38">
+            <a:extLst>
+              <a:ext uri="{FF2B5EF4-FFF2-40B4-BE49-F238E27FC236}">
+                <a16:creationId xmlns:a16="http://schemas.microsoft.com/office/drawing/2014/main" id="{D4181978-53A3-A858-9040-60096CE44977}"/>
+              </a:ext>
+            </a:extLst>
+          </p:cNvPr>
+          <p:cNvSpPr/>
+          <p:nvPr/>
+        </p:nvSpPr>
+        <p:spPr>
+          <a:xfrm>
+            <a:off x="1575422" y="8472954"/>
+            <a:ext cx="106680" cy="183851"/>
+          </a:xfrm>
+          <a:prstGeom prst="rect">
+            <a:avLst/>
+          </a:prstGeom>
+        </p:spPr>
+        <p:style>
+          <a:lnRef idx="2">
+            <a:schemeClr val="accent4">
+              <a:shade val="50000"/>
+            </a:schemeClr>
+          </a:lnRef>
+          <a:fillRef idx="1">
+            <a:schemeClr val="accent4"/>
+          </a:fillRef>
+          <a:effectRef idx="0">
+            <a:schemeClr val="accent4"/>
+          </a:effectRef>
+          <a:fontRef idx="minor">
+            <a:schemeClr val="lt1"/>
+          </a:fontRef>
+        </p:style>
+        <p:txBody>
+          <a:bodyPr rtlCol="0" anchor="ctr"/>
+          <a:lstStyle/>
+          <a:p>
+            <a:pPr algn="ctr"/>
+            <a:endParaRPr kumimoji="1" lang="ja-JP" altLang="en-US"/>
+          </a:p>
+        </p:txBody>
+      </p:sp>
+      <p:sp>
+        <p:nvSpPr>
+          <p:cNvPr id="40" name="正方形/長方形 39">
+            <a:extLst>
+              <a:ext uri="{FF2B5EF4-FFF2-40B4-BE49-F238E27FC236}">
+                <a16:creationId xmlns:a16="http://schemas.microsoft.com/office/drawing/2014/main" id="{7E1FD538-DC4B-AFAD-E6DE-2ACB114598DE}"/>
+              </a:ext>
+            </a:extLst>
+          </p:cNvPr>
+          <p:cNvSpPr/>
+          <p:nvPr/>
+        </p:nvSpPr>
+        <p:spPr>
+          <a:xfrm>
+            <a:off x="1201728" y="8892540"/>
+            <a:ext cx="521806" cy="108204"/>
+          </a:xfrm>
+          <a:prstGeom prst="rect">
+            <a:avLst/>
+          </a:prstGeom>
+        </p:spPr>
+        <p:style>
+          <a:lnRef idx="2">
+            <a:schemeClr val="accent3">
+              <a:shade val="50000"/>
+            </a:schemeClr>
+          </a:lnRef>
+          <a:fillRef idx="1">
+            <a:schemeClr val="accent3"/>
+          </a:fillRef>
+          <a:effectRef idx="0">
+            <a:schemeClr val="accent3"/>
+          </a:effectRef>
+          <a:fontRef idx="minor">
+            <a:schemeClr val="lt1"/>
+          </a:fontRef>
+        </p:style>
+        <p:txBody>
+          <a:bodyPr rtlCol="0" anchor="ctr"/>
+          <a:lstStyle/>
+          <a:p>
+            <a:pPr algn="ctr"/>
+            <a:endParaRPr kumimoji="1" lang="ja-JP" altLang="en-US"/>
+          </a:p>
+        </p:txBody>
+      </p:sp>
     </p:spTree>
     <p:extLst>
       <p:ext uri="{BB962C8B-B14F-4D97-AF65-F5344CB8AC3E}">
